--- a/docs/diagrams/UiComponentClassDiagram.pptx
+++ b/docs/diagrams/UiComponentClassDiagram.pptx
@@ -208,7 +208,7 @@
           <a:p>
             <a:fld id="{F5CC4B3F-88C1-4FFA-B1B6-F41C21DC6924}" type="datetimeFigureOut">
               <a:rPr lang="en-US" smtClean="0"/>
-              <a:t>1/7/2017</a:t>
+              <a:t>3/20/18</a:t>
             </a:fld>
             <a:endParaRPr lang="en-US"/>
           </a:p>
@@ -654,7 +654,7 @@
           <a:p>
             <a:fld id="{78C97017-6FC3-485B-9764-EAC9E56C1D49}" type="datetimeFigureOut">
               <a:rPr lang="en-US" smtClean="0"/>
-              <a:t>1/7/2017</a:t>
+              <a:t>3/20/18</a:t>
             </a:fld>
             <a:endParaRPr lang="en-US"/>
           </a:p>
@@ -822,7 +822,7 @@
           <a:p>
             <a:fld id="{78C97017-6FC3-485B-9764-EAC9E56C1D49}" type="datetimeFigureOut">
               <a:rPr lang="en-US" smtClean="0"/>
-              <a:t>1/7/2017</a:t>
+              <a:t>3/20/18</a:t>
             </a:fld>
             <a:endParaRPr lang="en-US"/>
           </a:p>
@@ -1000,7 +1000,7 @@
           <a:p>
             <a:fld id="{78C97017-6FC3-485B-9764-EAC9E56C1D49}" type="datetimeFigureOut">
               <a:rPr lang="en-US" smtClean="0"/>
-              <a:t>1/7/2017</a:t>
+              <a:t>3/20/18</a:t>
             </a:fld>
             <a:endParaRPr lang="en-US"/>
           </a:p>
@@ -1168,7 +1168,7 @@
           <a:p>
             <a:fld id="{78C97017-6FC3-485B-9764-EAC9E56C1D49}" type="datetimeFigureOut">
               <a:rPr lang="en-US" smtClean="0"/>
-              <a:t>1/7/2017</a:t>
+              <a:t>3/20/18</a:t>
             </a:fld>
             <a:endParaRPr lang="en-US"/>
           </a:p>
@@ -1413,7 +1413,7 @@
           <a:p>
             <a:fld id="{78C97017-6FC3-485B-9764-EAC9E56C1D49}" type="datetimeFigureOut">
               <a:rPr lang="en-US" smtClean="0"/>
-              <a:t>1/7/2017</a:t>
+              <a:t>3/20/18</a:t>
             </a:fld>
             <a:endParaRPr lang="en-US"/>
           </a:p>
@@ -1698,7 +1698,7 @@
           <a:p>
             <a:fld id="{78C97017-6FC3-485B-9764-EAC9E56C1D49}" type="datetimeFigureOut">
               <a:rPr lang="en-US" smtClean="0"/>
-              <a:t>1/7/2017</a:t>
+              <a:t>3/20/18</a:t>
             </a:fld>
             <a:endParaRPr lang="en-US"/>
           </a:p>
@@ -2117,7 +2117,7 @@
           <a:p>
             <a:fld id="{78C97017-6FC3-485B-9764-EAC9E56C1D49}" type="datetimeFigureOut">
               <a:rPr lang="en-US" smtClean="0"/>
-              <a:t>1/7/2017</a:t>
+              <a:t>3/20/18</a:t>
             </a:fld>
             <a:endParaRPr lang="en-US"/>
           </a:p>
@@ -2234,7 +2234,7 @@
           <a:p>
             <a:fld id="{78C97017-6FC3-485B-9764-EAC9E56C1D49}" type="datetimeFigureOut">
               <a:rPr lang="en-US" smtClean="0"/>
-              <a:t>1/7/2017</a:t>
+              <a:t>3/20/18</a:t>
             </a:fld>
             <a:endParaRPr lang="en-US"/>
           </a:p>
@@ -2329,7 +2329,7 @@
           <a:p>
             <a:fld id="{78C97017-6FC3-485B-9764-EAC9E56C1D49}" type="datetimeFigureOut">
               <a:rPr lang="en-US" smtClean="0"/>
-              <a:t>1/7/2017</a:t>
+              <a:t>3/20/18</a:t>
             </a:fld>
             <a:endParaRPr lang="en-US"/>
           </a:p>
@@ -2604,7 +2604,7 @@
           <a:p>
             <a:fld id="{78C97017-6FC3-485B-9764-EAC9E56C1D49}" type="datetimeFigureOut">
               <a:rPr lang="en-US" smtClean="0"/>
-              <a:t>1/7/2017</a:t>
+              <a:t>3/20/18</a:t>
             </a:fld>
             <a:endParaRPr lang="en-US"/>
           </a:p>
@@ -2856,7 +2856,7 @@
           <a:p>
             <a:fld id="{78C97017-6FC3-485B-9764-EAC9E56C1D49}" type="datetimeFigureOut">
               <a:rPr lang="en-US" smtClean="0"/>
-              <a:t>1/7/2017</a:t>
+              <a:t>3/20/18</a:t>
             </a:fld>
             <a:endParaRPr lang="en-US"/>
           </a:p>
@@ -3067,7 +3067,7 @@
           <a:p>
             <a:fld id="{78C97017-6FC3-485B-9764-EAC9E56C1D49}" type="datetimeFigureOut">
               <a:rPr lang="en-US" smtClean="0"/>
-              <a:t>1/7/2017</a:t>
+              <a:t>3/20/18</a:t>
             </a:fld>
             <a:endParaRPr lang="en-US"/>
           </a:p>
@@ -4006,7 +4006,7 @@
         <p:spPr>
           <a:xfrm>
             <a:off x="2592526" y="3991960"/>
-            <a:ext cx="1093635" cy="236841"/>
+            <a:ext cx="1293674" cy="236841"/>
           </a:xfrm>
           <a:prstGeom prst="rect">
             <a:avLst/>
@@ -4038,14 +4038,24 @@
           <a:p>
             <a:pPr algn="ctr"/>
             <a:r>
-              <a:rPr lang="en-US" sz="1050" b="1" dirty="0" err="1">
+              <a:rPr lang="en-US" sz="1050" b="1" smtClean="0">
                 <a:solidFill>
                   <a:schemeClr val="accent3">
                     <a:lumMod val="75000"/>
                   </a:schemeClr>
                 </a:solidFill>
               </a:rPr>
-              <a:t>PersonListPanel</a:t>
+              <a:t>Internship</a:t>
+            </a:r>
+            <a:r>
+              <a:rPr lang="en-US" sz="1050" b="1" smtClean="0">
+                <a:solidFill>
+                  <a:schemeClr val="accent3">
+                    <a:lumMod val="75000"/>
+                  </a:schemeClr>
+                </a:solidFill>
+              </a:rPr>
+              <a:t>ListPanel</a:t>
             </a:r>
             <a:endParaRPr lang="en-SG" sz="1050" b="1" dirty="0">
               <a:solidFill>
@@ -4098,14 +4108,24 @@
           <a:p>
             <a:pPr algn="ctr"/>
             <a:r>
-              <a:rPr lang="en-US" sz="1050" b="1" dirty="0" err="1">
+              <a:rPr lang="en-US" sz="1050" b="1" dirty="0" err="1" smtClean="0">
                 <a:solidFill>
                   <a:schemeClr val="accent3">
                     <a:lumMod val="75000"/>
                   </a:schemeClr>
                 </a:solidFill>
               </a:rPr>
-              <a:t>PersonCard</a:t>
+              <a:t>Internship</a:t>
+            </a:r>
+            <a:r>
+              <a:rPr lang="en-US" sz="1050" b="1" dirty="0" err="1" smtClean="0">
+                <a:solidFill>
+                  <a:schemeClr val="accent3">
+                    <a:lumMod val="75000"/>
+                  </a:schemeClr>
+                </a:solidFill>
+              </a:rPr>
+              <a:t>Card</a:t>
             </a:r>
             <a:endParaRPr lang="en-SG" sz="1050" b="1" dirty="0">
               <a:solidFill>
@@ -5168,8 +5188,8 @@
         </p:nvCxnSpPr>
         <p:spPr>
           <a:xfrm rot="16200000" flipH="1">
-            <a:off x="3430123" y="3938021"/>
-            <a:ext cx="118421" cy="699979"/>
+            <a:off x="3480133" y="3988031"/>
+            <a:ext cx="118421" cy="599960"/>
           </a:xfrm>
           <a:prstGeom prst="bentConnector2">
             <a:avLst/>
@@ -5209,8 +5229,8 @@
         </p:nvCxnSpPr>
         <p:spPr>
           <a:xfrm rot="5400000">
-            <a:off x="3695875" y="2276286"/>
-            <a:ext cx="1824381" cy="1843808"/>
+            <a:off x="3795895" y="2376306"/>
+            <a:ext cx="1824381" cy="1643769"/>
           </a:xfrm>
           <a:prstGeom prst="bentConnector2">
             <a:avLst/>

--- a/docs/diagrams/UiComponentClassDiagram.pptx
+++ b/docs/diagrams/UiComponentClassDiagram.pptx
@@ -208,7 +208,7 @@
           <a:p>
             <a:fld id="{F5CC4B3F-88C1-4FFA-B1B6-F41C21DC6924}" type="datetimeFigureOut">
               <a:rPr lang="en-US" smtClean="0"/>
-              <a:t>3/20/18</a:t>
+              <a:t>3/22/18</a:t>
             </a:fld>
             <a:endParaRPr lang="en-US"/>
           </a:p>
@@ -654,7 +654,7 @@
           <a:p>
             <a:fld id="{78C97017-6FC3-485B-9764-EAC9E56C1D49}" type="datetimeFigureOut">
               <a:rPr lang="en-US" smtClean="0"/>
-              <a:t>3/20/18</a:t>
+              <a:t>3/22/18</a:t>
             </a:fld>
             <a:endParaRPr lang="en-US"/>
           </a:p>
@@ -822,7 +822,7 @@
           <a:p>
             <a:fld id="{78C97017-6FC3-485B-9764-EAC9E56C1D49}" type="datetimeFigureOut">
               <a:rPr lang="en-US" smtClean="0"/>
-              <a:t>3/20/18</a:t>
+              <a:t>3/22/18</a:t>
             </a:fld>
             <a:endParaRPr lang="en-US"/>
           </a:p>
@@ -1000,7 +1000,7 @@
           <a:p>
             <a:fld id="{78C97017-6FC3-485B-9764-EAC9E56C1D49}" type="datetimeFigureOut">
               <a:rPr lang="en-US" smtClean="0"/>
-              <a:t>3/20/18</a:t>
+              <a:t>3/22/18</a:t>
             </a:fld>
             <a:endParaRPr lang="en-US"/>
           </a:p>
@@ -1168,7 +1168,7 @@
           <a:p>
             <a:fld id="{78C97017-6FC3-485B-9764-EAC9E56C1D49}" type="datetimeFigureOut">
               <a:rPr lang="en-US" smtClean="0"/>
-              <a:t>3/20/18</a:t>
+              <a:t>3/22/18</a:t>
             </a:fld>
             <a:endParaRPr lang="en-US"/>
           </a:p>
@@ -1413,7 +1413,7 @@
           <a:p>
             <a:fld id="{78C97017-6FC3-485B-9764-EAC9E56C1D49}" type="datetimeFigureOut">
               <a:rPr lang="en-US" smtClean="0"/>
-              <a:t>3/20/18</a:t>
+              <a:t>3/22/18</a:t>
             </a:fld>
             <a:endParaRPr lang="en-US"/>
           </a:p>
@@ -1698,7 +1698,7 @@
           <a:p>
             <a:fld id="{78C97017-6FC3-485B-9764-EAC9E56C1D49}" type="datetimeFigureOut">
               <a:rPr lang="en-US" smtClean="0"/>
-              <a:t>3/20/18</a:t>
+              <a:t>3/22/18</a:t>
             </a:fld>
             <a:endParaRPr lang="en-US"/>
           </a:p>
@@ -2117,7 +2117,7 @@
           <a:p>
             <a:fld id="{78C97017-6FC3-485B-9764-EAC9E56C1D49}" type="datetimeFigureOut">
               <a:rPr lang="en-US" smtClean="0"/>
-              <a:t>3/20/18</a:t>
+              <a:t>3/22/18</a:t>
             </a:fld>
             <a:endParaRPr lang="en-US"/>
           </a:p>
@@ -2234,7 +2234,7 @@
           <a:p>
             <a:fld id="{78C97017-6FC3-485B-9764-EAC9E56C1D49}" type="datetimeFigureOut">
               <a:rPr lang="en-US" smtClean="0"/>
-              <a:t>3/20/18</a:t>
+              <a:t>3/22/18</a:t>
             </a:fld>
             <a:endParaRPr lang="en-US"/>
           </a:p>
@@ -2329,7 +2329,7 @@
           <a:p>
             <a:fld id="{78C97017-6FC3-485B-9764-EAC9E56C1D49}" type="datetimeFigureOut">
               <a:rPr lang="en-US" smtClean="0"/>
-              <a:t>3/20/18</a:t>
+              <a:t>3/22/18</a:t>
             </a:fld>
             <a:endParaRPr lang="en-US"/>
           </a:p>
@@ -2604,7 +2604,7 @@
           <a:p>
             <a:fld id="{78C97017-6FC3-485B-9764-EAC9E56C1D49}" type="datetimeFigureOut">
               <a:rPr lang="en-US" smtClean="0"/>
-              <a:t>3/20/18</a:t>
+              <a:t>3/22/18</a:t>
             </a:fld>
             <a:endParaRPr lang="en-US"/>
           </a:p>
@@ -2856,7 +2856,7 @@
           <a:p>
             <a:fld id="{78C97017-6FC3-485B-9764-EAC9E56C1D49}" type="datetimeFigureOut">
               <a:rPr lang="en-US" smtClean="0"/>
-              <a:t>3/20/18</a:t>
+              <a:t>3/22/18</a:t>
             </a:fld>
             <a:endParaRPr lang="en-US"/>
           </a:p>
@@ -3067,7 +3067,7 @@
           <a:p>
             <a:fld id="{78C97017-6FC3-485B-9764-EAC9E56C1D49}" type="datetimeFigureOut">
               <a:rPr lang="en-US" smtClean="0"/>
-              <a:t>3/20/18</a:t>
+              <a:t>3/22/18</a:t>
             </a:fld>
             <a:endParaRPr lang="en-US"/>
           </a:p>
@@ -3451,7 +3451,7 @@
         <p:spPr>
           <a:xfrm>
             <a:off x="1217465" y="1447800"/>
-            <a:ext cx="4917083" cy="3962400"/>
+            <a:ext cx="4917083" cy="4114800"/>
           </a:xfrm>
           <a:prstGeom prst="roundRect">
             <a:avLst>
@@ -4045,17 +4045,7 @@
                   </a:schemeClr>
                 </a:solidFill>
               </a:rPr>
-              <a:t>Internship</a:t>
-            </a:r>
-            <a:r>
-              <a:rPr lang="en-US" sz="1050" b="1" smtClean="0">
-                <a:solidFill>
-                  <a:schemeClr val="accent3">
-                    <a:lumMod val="75000"/>
-                  </a:schemeClr>
-                </a:solidFill>
-              </a:rPr>
-              <a:t>ListPanel</a:t>
+              <a:t>InternshipListPanel</a:t>
             </a:r>
             <a:endParaRPr lang="en-SG" sz="1050" b="1" dirty="0">
               <a:solidFill>
@@ -4115,17 +4105,7 @@
                   </a:schemeClr>
                 </a:solidFill>
               </a:rPr>
-              <a:t>Internship</a:t>
-            </a:r>
-            <a:r>
-              <a:rPr lang="en-US" sz="1050" b="1" dirty="0" err="1" smtClean="0">
-                <a:solidFill>
-                  <a:schemeClr val="accent3">
-                    <a:lumMod val="75000"/>
-                  </a:schemeClr>
-                </a:solidFill>
-              </a:rPr>
-              <a:t>Card</a:t>
+              <a:t>InternshipCard</a:t>
             </a:r>
             <a:endParaRPr lang="en-SG" sz="1050" b="1" dirty="0">
               <a:solidFill>
@@ -4145,7 +4125,7 @@
         </p:nvSpPr>
         <p:spPr>
           <a:xfrm>
-            <a:off x="2592528" y="4966000"/>
+            <a:off x="2592525" y="4855785"/>
             <a:ext cx="1093635" cy="236841"/>
           </a:xfrm>
           <a:prstGeom prst="rect">
@@ -4479,7 +4459,7 @@
         </p:nvCxnSpPr>
         <p:spPr>
           <a:xfrm rot="16200000" flipH="1">
-            <a:off x="1184119" y="3676012"/>
+            <a:off x="1184116" y="3565797"/>
             <a:ext cx="2396440" cy="420377"/>
           </a:xfrm>
           <a:prstGeom prst="bentConnector2">
@@ -4804,8 +4784,8 @@
         </p:nvCxnSpPr>
         <p:spPr>
           <a:xfrm rot="5400000">
-            <a:off x="3208856" y="2763307"/>
-            <a:ext cx="2798421" cy="1843806"/>
+            <a:off x="3263962" y="2708199"/>
+            <a:ext cx="2688206" cy="1843809"/>
           </a:xfrm>
           <a:prstGeom prst="bentConnector2">
             <a:avLst/>
@@ -5529,6 +5509,156 @@
           </a:p>
         </p:txBody>
       </p:sp>
+      <p:cxnSp>
+        <p:nvCxnSpPr>
+          <p:cNvPr id="45" name="Elbow Connector 63"/>
+          <p:cNvCxnSpPr>
+            <a:endCxn id="48" idx="1"/>
+          </p:cNvCxnSpPr>
+          <p:nvPr/>
+        </p:nvCxnSpPr>
+        <p:spPr>
+          <a:xfrm rot="16200000" flipH="1">
+            <a:off x="1053953" y="3768142"/>
+            <a:ext cx="2713846" cy="363297"/>
+          </a:xfrm>
+          <a:prstGeom prst="bentConnector2">
+            <a:avLst/>
+          </a:prstGeom>
+          <a:ln w="19050">
+            <a:solidFill>
+              <a:schemeClr val="accent3"/>
+            </a:solidFill>
+            <a:headEnd type="none" w="med" len="med"/>
+            <a:tailEnd type="arrow" w="med" len="med"/>
+          </a:ln>
+          <a:effectLst/>
+        </p:spPr>
+        <p:style>
+          <a:lnRef idx="1">
+            <a:schemeClr val="accent2"/>
+          </a:lnRef>
+          <a:fillRef idx="2">
+            <a:schemeClr val="accent2"/>
+          </a:fillRef>
+          <a:effectRef idx="1">
+            <a:schemeClr val="accent2"/>
+          </a:effectRef>
+          <a:fontRef idx="minor">
+            <a:schemeClr val="dk1"/>
+          </a:fontRef>
+        </p:style>
+      </p:cxnSp>
+      <p:sp>
+        <p:nvSpPr>
+          <p:cNvPr id="48" name="Rectangle 11"/>
+          <p:cNvSpPr/>
+          <p:nvPr/>
+        </p:nvSpPr>
+        <p:spPr>
+          <a:xfrm>
+            <a:off x="2592525" y="5188293"/>
+            <a:ext cx="1246798" cy="236841"/>
+          </a:xfrm>
+          <a:prstGeom prst="rect">
+            <a:avLst/>
+          </a:prstGeom>
+          <a:ln w="19050">
+            <a:solidFill>
+              <a:schemeClr val="accent3"/>
+            </a:solidFill>
+          </a:ln>
+          <a:effectLst/>
+        </p:spPr>
+        <p:style>
+          <a:lnRef idx="1">
+            <a:schemeClr val="accent3"/>
+          </a:lnRef>
+          <a:fillRef idx="2">
+            <a:schemeClr val="accent3"/>
+          </a:fillRef>
+          <a:effectRef idx="1">
+            <a:schemeClr val="accent3"/>
+          </a:effectRef>
+          <a:fontRef idx="minor">
+            <a:schemeClr val="dk1"/>
+          </a:fontRef>
+        </p:style>
+        <p:txBody>
+          <a:bodyPr rtlCol="0" anchor="ctr"/>
+          <a:lstStyle/>
+          <a:p>
+            <a:pPr algn="ctr"/>
+            <a:r>
+              <a:rPr lang="en-US" sz="1050" b="1" smtClean="0">
+                <a:solidFill>
+                  <a:schemeClr val="accent3">
+                    <a:lumMod val="75000"/>
+                  </a:schemeClr>
+                </a:solidFill>
+              </a:rPr>
+              <a:t>Glossary</a:t>
+            </a:r>
+            <a:r>
+              <a:rPr lang="en-US" sz="1050" b="1" smtClean="0">
+                <a:solidFill>
+                  <a:schemeClr val="accent3">
+                    <a:lumMod val="75000"/>
+                  </a:schemeClr>
+                </a:solidFill>
+              </a:rPr>
+              <a:t>Window</a:t>
+            </a:r>
+            <a:endParaRPr lang="en-SG" sz="1050" b="1" dirty="0">
+              <a:solidFill>
+                <a:schemeClr val="accent3">
+                  <a:lumMod val="75000"/>
+                </a:schemeClr>
+              </a:solidFill>
+            </a:endParaRPr>
+          </a:p>
+        </p:txBody>
+      </p:sp>
+      <p:cxnSp>
+        <p:nvCxnSpPr>
+          <p:cNvPr id="51" name="Elbow Connector 63"/>
+          <p:cNvCxnSpPr>
+            <a:endCxn id="48" idx="3"/>
+          </p:cNvCxnSpPr>
+          <p:nvPr/>
+        </p:nvCxnSpPr>
+        <p:spPr>
+          <a:xfrm rot="5400000">
+            <a:off x="3376521" y="3145720"/>
+            <a:ext cx="2623797" cy="1698191"/>
+          </a:xfrm>
+          <a:prstGeom prst="bentConnector2">
+            <a:avLst/>
+          </a:prstGeom>
+          <a:ln w="6350">
+            <a:solidFill>
+              <a:schemeClr val="accent3"/>
+            </a:solidFill>
+            <a:headEnd type="none" w="med" len="med"/>
+            <a:tailEnd type="none" w="med" len="med"/>
+          </a:ln>
+          <a:effectLst/>
+        </p:spPr>
+        <p:style>
+          <a:lnRef idx="1">
+            <a:schemeClr val="accent2"/>
+          </a:lnRef>
+          <a:fillRef idx="2">
+            <a:schemeClr val="accent2"/>
+          </a:fillRef>
+          <a:effectRef idx="1">
+            <a:schemeClr val="accent2"/>
+          </a:effectRef>
+          <a:fontRef idx="minor">
+            <a:schemeClr val="dk1"/>
+          </a:fontRef>
+        </p:style>
+      </p:cxnSp>
     </p:spTree>
     <p:extLst>
       <p:ext uri="{BB962C8B-B14F-4D97-AF65-F5344CB8AC3E}">

--- a/docs/diagrams/UiComponentClassDiagram.pptx
+++ b/docs/diagrams/UiComponentClassDiagram.pptx
@@ -3545,7 +3545,7 @@
           <a:p>
             <a:pPr algn="ctr"/>
             <a:r>
-              <a:rPr lang="en-US" sz="1050" b="1" dirty="0" err="1">
+              <a:rPr lang="en-US" sz="1050" b="1" dirty="0">
                 <a:solidFill>
                   <a:schemeClr val="accent3">
                     <a:lumMod val="75000"/>
@@ -3605,7 +3605,7 @@
           <a:p>
             <a:pPr algn="ctr"/>
             <a:r>
-              <a:rPr lang="en-US" sz="1050" b="1" dirty="0" err="1">
+              <a:rPr lang="en-US" sz="1050" b="1" dirty="0">
                 <a:solidFill>
                   <a:schemeClr val="accent3">
                     <a:lumMod val="75000"/>
@@ -3668,7 +3668,7 @@
           <a:p>
             <a:pPr algn="ctr"/>
             <a:r>
-              <a:rPr lang="en-US" sz="1050" dirty="0" err="1">
+              <a:rPr lang="en-US" sz="1050" dirty="0">
                 <a:solidFill>
                   <a:schemeClr val="bg1"/>
                 </a:solidFill>
@@ -3918,7 +3918,7 @@
           <a:p>
             <a:pPr algn="ctr"/>
             <a:r>
-              <a:rPr lang="en-US" sz="1050" b="1" dirty="0" err="1">
+              <a:rPr lang="en-US" sz="1050" b="1" dirty="0">
                 <a:solidFill>
                   <a:schemeClr val="accent3">
                     <a:lumMod val="75000"/>
@@ -3978,7 +3978,7 @@
           <a:p>
             <a:pPr algn="ctr"/>
             <a:r>
-              <a:rPr lang="en-US" sz="1050" b="1" dirty="0" err="1">
+              <a:rPr lang="en-US" sz="1050" b="1" dirty="0">
                 <a:solidFill>
                   <a:schemeClr val="accent3">
                     <a:lumMod val="75000"/>
@@ -4098,7 +4098,7 @@
           <a:p>
             <a:pPr algn="ctr"/>
             <a:r>
-              <a:rPr lang="en-US" sz="1050" b="1" dirty="0" err="1" smtClean="0">
+              <a:rPr lang="en-US" sz="1050" b="1" dirty="0" smtClean="0">
                 <a:solidFill>
                   <a:schemeClr val="accent3">
                     <a:lumMod val="75000"/>
@@ -4158,7 +4158,7 @@
           <a:p>
             <a:pPr algn="ctr"/>
             <a:r>
-              <a:rPr lang="en-US" sz="1050" b="1" dirty="0" err="1">
+              <a:rPr lang="en-US" sz="1050" b="1" dirty="0">
                 <a:solidFill>
                   <a:schemeClr val="accent3">
                     <a:lumMod val="75000"/>
@@ -4307,7 +4307,7 @@
           <a:p>
             <a:pPr algn="ctr"/>
             <a:r>
-              <a:rPr lang="en-US" sz="1050" b="1" dirty="0" err="1">
+              <a:rPr lang="en-US" sz="1050" b="1" dirty="0">
                 <a:solidFill>
                   <a:schemeClr val="accent3">
                     <a:lumMod val="75000"/>
@@ -4549,7 +4549,7 @@
               </a:rPr>
             </a:br>
             <a:r>
-              <a:rPr lang="en-US" sz="1050" b="1" dirty="0" err="1">
+              <a:rPr lang="en-US" sz="1050" b="1">
                 <a:solidFill>
                   <a:schemeClr val="accent3">
                     <a:lumMod val="75000"/>
@@ -5597,17 +5597,7 @@
                   </a:schemeClr>
                 </a:solidFill>
               </a:rPr>
-              <a:t>Glossary</a:t>
-            </a:r>
-            <a:r>
-              <a:rPr lang="en-US" sz="1050" b="1" smtClean="0">
-                <a:solidFill>
-                  <a:schemeClr val="accent3">
-                    <a:lumMod val="75000"/>
-                  </a:schemeClr>
-                </a:solidFill>
-              </a:rPr>
-              <a:t>Window</a:t>
+              <a:t>GlossaryWindow</a:t>
             </a:r>
             <a:endParaRPr lang="en-SG" sz="1050" b="1" dirty="0">
               <a:solidFill>

--- a/docs/diagrams/UiComponentClassDiagram.pptx
+++ b/docs/diagrams/UiComponentClassDiagram.pptx
@@ -208,7 +208,7 @@
           <a:p>
             <a:fld id="{F5CC4B3F-88C1-4FFA-B1B6-F41C21DC6924}" type="datetimeFigureOut">
               <a:rPr lang="en-US" smtClean="0"/>
-              <a:t>3/22/18</a:t>
+              <a:t>4/12/18</a:t>
             </a:fld>
             <a:endParaRPr lang="en-US"/>
           </a:p>
@@ -654,7 +654,7 @@
           <a:p>
             <a:fld id="{78C97017-6FC3-485B-9764-EAC9E56C1D49}" type="datetimeFigureOut">
               <a:rPr lang="en-US" smtClean="0"/>
-              <a:t>3/22/18</a:t>
+              <a:t>4/12/18</a:t>
             </a:fld>
             <a:endParaRPr lang="en-US"/>
           </a:p>
@@ -822,7 +822,7 @@
           <a:p>
             <a:fld id="{78C97017-6FC3-485B-9764-EAC9E56C1D49}" type="datetimeFigureOut">
               <a:rPr lang="en-US" smtClean="0"/>
-              <a:t>3/22/18</a:t>
+              <a:t>4/12/18</a:t>
             </a:fld>
             <a:endParaRPr lang="en-US"/>
           </a:p>
@@ -1000,7 +1000,7 @@
           <a:p>
             <a:fld id="{78C97017-6FC3-485B-9764-EAC9E56C1D49}" type="datetimeFigureOut">
               <a:rPr lang="en-US" smtClean="0"/>
-              <a:t>3/22/18</a:t>
+              <a:t>4/12/18</a:t>
             </a:fld>
             <a:endParaRPr lang="en-US"/>
           </a:p>
@@ -1168,7 +1168,7 @@
           <a:p>
             <a:fld id="{78C97017-6FC3-485B-9764-EAC9E56C1D49}" type="datetimeFigureOut">
               <a:rPr lang="en-US" smtClean="0"/>
-              <a:t>3/22/18</a:t>
+              <a:t>4/12/18</a:t>
             </a:fld>
             <a:endParaRPr lang="en-US"/>
           </a:p>
@@ -1413,7 +1413,7 @@
           <a:p>
             <a:fld id="{78C97017-6FC3-485B-9764-EAC9E56C1D49}" type="datetimeFigureOut">
               <a:rPr lang="en-US" smtClean="0"/>
-              <a:t>3/22/18</a:t>
+              <a:t>4/12/18</a:t>
             </a:fld>
             <a:endParaRPr lang="en-US"/>
           </a:p>
@@ -1698,7 +1698,7 @@
           <a:p>
             <a:fld id="{78C97017-6FC3-485B-9764-EAC9E56C1D49}" type="datetimeFigureOut">
               <a:rPr lang="en-US" smtClean="0"/>
-              <a:t>3/22/18</a:t>
+              <a:t>4/12/18</a:t>
             </a:fld>
             <a:endParaRPr lang="en-US"/>
           </a:p>
@@ -2117,7 +2117,7 @@
           <a:p>
             <a:fld id="{78C97017-6FC3-485B-9764-EAC9E56C1D49}" type="datetimeFigureOut">
               <a:rPr lang="en-US" smtClean="0"/>
-              <a:t>3/22/18</a:t>
+              <a:t>4/12/18</a:t>
             </a:fld>
             <a:endParaRPr lang="en-US"/>
           </a:p>
@@ -2234,7 +2234,7 @@
           <a:p>
             <a:fld id="{78C97017-6FC3-485B-9764-EAC9E56C1D49}" type="datetimeFigureOut">
               <a:rPr lang="en-US" smtClean="0"/>
-              <a:t>3/22/18</a:t>
+              <a:t>4/12/18</a:t>
             </a:fld>
             <a:endParaRPr lang="en-US"/>
           </a:p>
@@ -2329,7 +2329,7 @@
           <a:p>
             <a:fld id="{78C97017-6FC3-485B-9764-EAC9E56C1D49}" type="datetimeFigureOut">
               <a:rPr lang="en-US" smtClean="0"/>
-              <a:t>3/22/18</a:t>
+              <a:t>4/12/18</a:t>
             </a:fld>
             <a:endParaRPr lang="en-US"/>
           </a:p>
@@ -2604,7 +2604,7 @@
           <a:p>
             <a:fld id="{78C97017-6FC3-485B-9764-EAC9E56C1D49}" type="datetimeFigureOut">
               <a:rPr lang="en-US" smtClean="0"/>
-              <a:t>3/22/18</a:t>
+              <a:t>4/12/18</a:t>
             </a:fld>
             <a:endParaRPr lang="en-US"/>
           </a:p>
@@ -2856,7 +2856,7 @@
           <a:p>
             <a:fld id="{78C97017-6FC3-485B-9764-EAC9E56C1D49}" type="datetimeFigureOut">
               <a:rPr lang="en-US" smtClean="0"/>
-              <a:t>3/22/18</a:t>
+              <a:t>4/12/18</a:t>
             </a:fld>
             <a:endParaRPr lang="en-US"/>
           </a:p>
@@ -3067,7 +3067,7 @@
           <a:p>
             <a:fld id="{78C97017-6FC3-485B-9764-EAC9E56C1D49}" type="datetimeFigureOut">
               <a:rPr lang="en-US" smtClean="0"/>
-              <a:t>3/22/18</a:t>
+              <a:t>4/12/18</a:t>
             </a:fld>
             <a:endParaRPr lang="en-US"/>
           </a:p>
@@ -3450,7 +3450,7 @@
         </p:nvSpPr>
         <p:spPr>
           <a:xfrm>
-            <a:off x="1217465" y="1447800"/>
+            <a:off x="1215660" y="1447798"/>
             <a:ext cx="4917083" cy="4114800"/>
           </a:xfrm>
           <a:prstGeom prst="roundRect">
@@ -3885,7 +3885,7 @@
         </p:nvSpPr>
         <p:spPr>
           <a:xfrm>
-            <a:off x="2592528" y="3649359"/>
+            <a:off x="2592527" y="3335637"/>
             <a:ext cx="1093635" cy="236841"/>
           </a:xfrm>
           <a:prstGeom prst="rect">
@@ -3945,7 +3945,7 @@
         </p:nvSpPr>
         <p:spPr>
           <a:xfrm>
-            <a:off x="2592527" y="4563759"/>
+            <a:off x="2609209" y="4873745"/>
             <a:ext cx="1093635" cy="236841"/>
           </a:xfrm>
           <a:prstGeom prst="rect">
@@ -4005,7 +4005,7 @@
         </p:nvSpPr>
         <p:spPr>
           <a:xfrm>
-            <a:off x="2592526" y="3991960"/>
+            <a:off x="2580020" y="4282939"/>
             <a:ext cx="1293674" cy="236841"/>
           </a:xfrm>
           <a:prstGeom prst="rect">
@@ -4038,7 +4038,7 @@
           <a:p>
             <a:pPr algn="ctr"/>
             <a:r>
-              <a:rPr lang="en-US" sz="1050" b="1" smtClean="0">
+              <a:rPr lang="en-US" sz="1050" b="1" dirty="0" smtClean="0">
                 <a:solidFill>
                   <a:schemeClr val="accent3">
                     <a:lumMod val="75000"/>
@@ -4065,7 +4065,7 @@
         </p:nvSpPr>
         <p:spPr>
           <a:xfrm>
-            <a:off x="3839323" y="4228801"/>
+            <a:off x="3786089" y="4553518"/>
             <a:ext cx="1040906" cy="236841"/>
           </a:xfrm>
           <a:prstGeom prst="rect">
@@ -4125,7 +4125,7 @@
         </p:nvSpPr>
         <p:spPr>
           <a:xfrm>
-            <a:off x="2592525" y="4855785"/>
+            <a:off x="2625889" y="5255172"/>
             <a:ext cx="1093635" cy="236841"/>
           </a:xfrm>
           <a:prstGeom prst="rect">
@@ -4266,66 +4266,6 @@
           </a:fontRef>
         </p:style>
       </p:cxnSp>
-      <p:sp>
-        <p:nvSpPr>
-          <p:cNvPr id="43" name="Rectangle 11"/>
-          <p:cNvSpPr/>
-          <p:nvPr/>
-        </p:nvSpPr>
-        <p:spPr>
-          <a:xfrm>
-            <a:off x="2590799" y="3304308"/>
-            <a:ext cx="1095361" cy="236841"/>
-          </a:xfrm>
-          <a:prstGeom prst="rect">
-            <a:avLst/>
-          </a:prstGeom>
-          <a:ln w="19050">
-            <a:solidFill>
-              <a:schemeClr val="accent3"/>
-            </a:solidFill>
-          </a:ln>
-          <a:effectLst/>
-        </p:spPr>
-        <p:style>
-          <a:lnRef idx="1">
-            <a:schemeClr val="accent3"/>
-          </a:lnRef>
-          <a:fillRef idx="2">
-            <a:schemeClr val="accent3"/>
-          </a:fillRef>
-          <a:effectRef idx="1">
-            <a:schemeClr val="accent3"/>
-          </a:effectRef>
-          <a:fontRef idx="minor">
-            <a:schemeClr val="dk1"/>
-          </a:fontRef>
-        </p:style>
-        <p:txBody>
-          <a:bodyPr rtlCol="0" anchor="ctr"/>
-          <a:lstStyle/>
-          <a:p>
-            <a:pPr algn="ctr"/>
-            <a:r>
-              <a:rPr lang="en-US" sz="1050" b="1" dirty="0">
-                <a:solidFill>
-                  <a:schemeClr val="accent3">
-                    <a:lumMod val="75000"/>
-                  </a:schemeClr>
-                </a:solidFill>
-              </a:rPr>
-              <a:t>ResultDisplay</a:t>
-            </a:r>
-            <a:endParaRPr lang="en-SG" sz="1050" b="1" dirty="0">
-              <a:solidFill>
-                <a:schemeClr val="accent3">
-                  <a:lumMod val="75000"/>
-                </a:schemeClr>
-              </a:solidFill>
-            </a:endParaRPr>
-          </a:p>
-        </p:txBody>
-      </p:sp>
       <p:cxnSp>
         <p:nvCxnSpPr>
           <p:cNvPr id="44" name="Elbow Connector 63"/>
@@ -4337,8 +4277,8 @@
         </p:nvCxnSpPr>
         <p:spPr>
           <a:xfrm rot="16200000" flipH="1">
-            <a:off x="2054450" y="3229701"/>
-            <a:ext cx="899755" cy="176402"/>
+            <a:off x="2211310" y="3072840"/>
+            <a:ext cx="586033" cy="176401"/>
           </a:xfrm>
           <a:prstGeom prst="bentConnector2">
             <a:avLst/>
@@ -4378,8 +4318,8 @@
         </p:nvCxnSpPr>
         <p:spPr>
           <a:xfrm rot="16200000" flipH="1">
-            <a:off x="1883148" y="3401003"/>
-            <a:ext cx="1242356" cy="176400"/>
+            <a:off x="1731406" y="3552745"/>
+            <a:ext cx="1533335" cy="163894"/>
           </a:xfrm>
           <a:prstGeom prst="bentConnector2">
             <a:avLst/>
@@ -4419,8 +4359,8 @@
         </p:nvCxnSpPr>
         <p:spPr>
           <a:xfrm rot="16200000" flipH="1">
-            <a:off x="1597249" y="3686901"/>
-            <a:ext cx="1814155" cy="176401"/>
+            <a:off x="1450597" y="3833553"/>
+            <a:ext cx="2124141" cy="193083"/>
           </a:xfrm>
           <a:prstGeom prst="bentConnector2">
             <a:avLst/>
@@ -4459,8 +4399,8 @@
         </p:nvCxnSpPr>
         <p:spPr>
           <a:xfrm rot="16200000" flipH="1">
-            <a:off x="1184116" y="3565797"/>
-            <a:ext cx="2396440" cy="420377"/>
+            <a:off x="1040571" y="3788275"/>
+            <a:ext cx="2696988" cy="473647"/>
           </a:xfrm>
           <a:prstGeom prst="bentConnector2">
             <a:avLst/>
@@ -4570,47 +4510,6 @@
       </p:sp>
       <p:cxnSp>
         <p:nvCxnSpPr>
-          <p:cNvPr id="74" name="Elbow Connector 63"/>
-          <p:cNvCxnSpPr>
-            <a:stCxn id="43" idx="3"/>
-            <a:endCxn id="16" idx="3"/>
-          </p:cNvCxnSpPr>
-          <p:nvPr/>
-        </p:nvCxnSpPr>
-        <p:spPr>
-          <a:xfrm flipV="1">
-            <a:off x="3686160" y="2286000"/>
-            <a:ext cx="1843809" cy="1136729"/>
-          </a:xfrm>
-          <a:prstGeom prst="bentConnector2">
-            <a:avLst/>
-          </a:prstGeom>
-          <a:ln w="6350">
-            <a:solidFill>
-              <a:schemeClr val="accent3"/>
-            </a:solidFill>
-            <a:headEnd type="none" w="med" len="med"/>
-            <a:tailEnd type="none" w="med" len="med"/>
-          </a:ln>
-          <a:effectLst/>
-        </p:spPr>
-        <p:style>
-          <a:lnRef idx="1">
-            <a:schemeClr val="accent2"/>
-          </a:lnRef>
-          <a:fillRef idx="2">
-            <a:schemeClr val="accent2"/>
-          </a:fillRef>
-          <a:effectRef idx="1">
-            <a:schemeClr val="accent2"/>
-          </a:effectRef>
-          <a:fontRef idx="minor">
-            <a:schemeClr val="dk1"/>
-          </a:fontRef>
-        </p:style>
-      </p:cxnSp>
-      <p:cxnSp>
-        <p:nvCxnSpPr>
           <p:cNvPr id="77" name="Elbow Connector 63"/>
           <p:cNvCxnSpPr>
             <a:stCxn id="16" idx="3"/>
@@ -4620,8 +4519,8 @@
         </p:nvCxnSpPr>
         <p:spPr>
           <a:xfrm rot="5400000">
-            <a:off x="4174488" y="2991741"/>
-            <a:ext cx="2061222" cy="649740"/>
+            <a:off x="3985513" y="3127482"/>
+            <a:ext cx="2385939" cy="702974"/>
           </a:xfrm>
           <a:prstGeom prst="bentConnector2">
             <a:avLst/>
@@ -4661,8 +4560,8 @@
         </p:nvCxnSpPr>
         <p:spPr>
           <a:xfrm rot="5400000">
-            <a:off x="3867176" y="2104987"/>
-            <a:ext cx="1481780" cy="1843806"/>
+            <a:off x="4024037" y="1948126"/>
+            <a:ext cx="1168058" cy="1843807"/>
           </a:xfrm>
           <a:prstGeom prst="bentConnector2">
             <a:avLst/>
@@ -4743,8 +4642,8 @@
         </p:nvCxnSpPr>
         <p:spPr>
           <a:xfrm rot="5400000">
-            <a:off x="3409976" y="2562187"/>
-            <a:ext cx="2396180" cy="1843807"/>
+            <a:off x="3263324" y="2725521"/>
+            <a:ext cx="2706166" cy="1827125"/>
           </a:xfrm>
           <a:prstGeom prst="bentConnector2">
             <a:avLst/>
@@ -4784,8 +4683,8 @@
         </p:nvCxnSpPr>
         <p:spPr>
           <a:xfrm rot="5400000">
-            <a:off x="3263962" y="2708199"/>
-            <a:ext cx="2688206" cy="1843809"/>
+            <a:off x="3080951" y="2924574"/>
+            <a:ext cx="3087593" cy="1810445"/>
           </a:xfrm>
           <a:prstGeom prst="bentConnector2">
             <a:avLst/>
@@ -4970,7 +4869,7 @@
           <a:p>
             <a:pPr algn="ctr"/>
             <a:r>
-              <a:rPr lang="en-US" sz="1050" dirty="0" err="1">
+              <a:rPr lang="en-US" sz="1050" dirty="0">
                 <a:solidFill>
                   <a:schemeClr val="bg1"/>
                 </a:solidFill>
@@ -5057,47 +4956,6 @@
             <a:prstDash val="sysDot"/>
             <a:headEnd type="none" w="med" len="med"/>
             <a:tailEnd type="none" w="med" len="med"/>
-          </a:ln>
-          <a:effectLst/>
-        </p:spPr>
-        <p:style>
-          <a:lnRef idx="1">
-            <a:schemeClr val="accent2"/>
-          </a:lnRef>
-          <a:fillRef idx="2">
-            <a:schemeClr val="accent2"/>
-          </a:fillRef>
-          <a:effectRef idx="1">
-            <a:schemeClr val="accent2"/>
-          </a:effectRef>
-          <a:fontRef idx="minor">
-            <a:schemeClr val="dk1"/>
-          </a:fontRef>
-        </p:style>
-      </p:cxnSp>
-      <p:cxnSp>
-        <p:nvCxnSpPr>
-          <p:cNvPr id="131" name="Elbow Connector 130"/>
-          <p:cNvCxnSpPr>
-            <a:stCxn id="39" idx="2"/>
-            <a:endCxn id="43" idx="1"/>
-          </p:cNvCxnSpPr>
-          <p:nvPr/>
-        </p:nvCxnSpPr>
-        <p:spPr>
-          <a:xfrm rot="16200000" flipH="1">
-            <a:off x="2226110" y="3058040"/>
-            <a:ext cx="554704" cy="174673"/>
-          </a:xfrm>
-          <a:prstGeom prst="bentConnector2">
-            <a:avLst/>
-          </a:prstGeom>
-          <a:ln w="19050">
-            <a:solidFill>
-              <a:schemeClr val="accent3"/>
-            </a:solidFill>
-            <a:headEnd type="none" w="med" len="med"/>
-            <a:tailEnd type="arrow" w="med" len="med"/>
           </a:ln>
           <a:effectLst/>
         </p:spPr>
@@ -5168,8 +5026,8 @@
         </p:nvCxnSpPr>
         <p:spPr>
           <a:xfrm rot="16200000" flipH="1">
-            <a:off x="3480133" y="3988031"/>
-            <a:ext cx="118421" cy="599960"/>
+            <a:off x="3430394" y="4316243"/>
+            <a:ext cx="152159" cy="559232"/>
           </a:xfrm>
           <a:prstGeom prst="bentConnector2">
             <a:avLst/>
@@ -5209,8 +5067,8 @@
         </p:nvCxnSpPr>
         <p:spPr>
           <a:xfrm rot="5400000">
-            <a:off x="3795895" y="2376306"/>
-            <a:ext cx="1824381" cy="1643769"/>
+            <a:off x="3644152" y="2515543"/>
+            <a:ext cx="2115360" cy="1656275"/>
           </a:xfrm>
           <a:prstGeom prst="bentConnector2">
             <a:avLst/>
@@ -5382,7 +5240,7 @@
         </p:nvSpPr>
         <p:spPr>
           <a:xfrm>
-            <a:off x="5431573" y="4488138"/>
+            <a:off x="5368270" y="3122586"/>
             <a:ext cx="229325" cy="160062"/>
           </a:xfrm>
           <a:prstGeom prst="rect">
@@ -5435,7 +5293,7 @@
         </p:nvSpPr>
         <p:spPr>
           <a:xfrm flipV="1">
-            <a:off x="4114799" y="4472708"/>
+            <a:off x="4171815" y="4788113"/>
             <a:ext cx="2642195" cy="101600"/>
           </a:xfrm>
           <a:custGeom>
@@ -5509,56 +5367,16 @@
           </a:p>
         </p:txBody>
       </p:sp>
-      <p:cxnSp>
-        <p:nvCxnSpPr>
-          <p:cNvPr id="45" name="Elbow Connector 63"/>
-          <p:cNvCxnSpPr>
-            <a:endCxn id="48" idx="1"/>
-          </p:cNvCxnSpPr>
-          <p:nvPr/>
-        </p:nvCxnSpPr>
-        <p:spPr>
-          <a:xfrm rot="16200000" flipH="1">
-            <a:off x="1053953" y="3768142"/>
-            <a:ext cx="2713846" cy="363297"/>
-          </a:xfrm>
-          <a:prstGeom prst="bentConnector2">
-            <a:avLst/>
-          </a:prstGeom>
-          <a:ln w="19050">
-            <a:solidFill>
-              <a:schemeClr val="accent3"/>
-            </a:solidFill>
-            <a:headEnd type="none" w="med" len="med"/>
-            <a:tailEnd type="arrow" w="med" len="med"/>
-          </a:ln>
-          <a:effectLst/>
-        </p:spPr>
-        <p:style>
-          <a:lnRef idx="1">
-            <a:schemeClr val="accent2"/>
-          </a:lnRef>
-          <a:fillRef idx="2">
-            <a:schemeClr val="accent2"/>
-          </a:fillRef>
-          <a:effectRef idx="1">
-            <a:schemeClr val="accent2"/>
-          </a:effectRef>
-          <a:fontRef idx="minor">
-            <a:schemeClr val="dk1"/>
-          </a:fontRef>
-        </p:style>
-      </p:cxnSp>
-      <p:sp>
-        <p:nvSpPr>
-          <p:cNvPr id="48" name="Rectangle 11"/>
+      <p:sp>
+        <p:nvSpPr>
+          <p:cNvPr id="58" name="Rectangle 11"/>
           <p:cNvSpPr/>
           <p:nvPr/>
         </p:nvSpPr>
         <p:spPr>
           <a:xfrm>
-            <a:off x="2592525" y="5188293"/>
-            <a:ext cx="1246798" cy="236841"/>
+            <a:off x="2598822" y="3649840"/>
+            <a:ext cx="1293674" cy="236841"/>
           </a:xfrm>
           <a:prstGeom prst="rect">
             <a:avLst/>
@@ -5590,14 +5408,24 @@
           <a:p>
             <a:pPr algn="ctr"/>
             <a:r>
-              <a:rPr lang="en-US" sz="1050" b="1" smtClean="0">
+              <a:rPr lang="en-US" sz="1050" b="1" dirty="0" smtClean="0">
                 <a:solidFill>
                   <a:schemeClr val="accent3">
                     <a:lumMod val="75000"/>
                   </a:schemeClr>
                 </a:solidFill>
               </a:rPr>
-              <a:t>GlossaryWindow</a:t>
+              <a:t>ChatBot</a:t>
+            </a:r>
+            <a:r>
+              <a:rPr lang="en-US" sz="1050" b="1" dirty="0" smtClean="0">
+                <a:solidFill>
+                  <a:schemeClr val="accent3">
+                    <a:lumMod val="75000"/>
+                  </a:schemeClr>
+                </a:solidFill>
+              </a:rPr>
+              <a:t>ListPanel</a:t>
             </a:r>
             <a:endParaRPr lang="en-SG" sz="1050" b="1" dirty="0">
               <a:solidFill>
@@ -5611,19 +5439,155 @@
       </p:sp>
       <p:cxnSp>
         <p:nvCxnSpPr>
-          <p:cNvPr id="51" name="Elbow Connector 63"/>
-          <p:cNvCxnSpPr>
-            <a:endCxn id="48" idx="3"/>
-          </p:cNvCxnSpPr>
+          <p:cNvPr id="59" name="Elbow Connector 63"/>
+          <p:cNvCxnSpPr/>
           <p:nvPr/>
         </p:nvCxnSpPr>
         <p:spPr>
-          <a:xfrm rot="5400000">
-            <a:off x="3376521" y="3145720"/>
-            <a:ext cx="2623797" cy="1698191"/>
+          <a:xfrm rot="16200000" flipH="1">
+            <a:off x="2034909" y="3195124"/>
+            <a:ext cx="946913" cy="180703"/>
           </a:xfrm>
           <a:prstGeom prst="bentConnector2">
             <a:avLst/>
+          </a:prstGeom>
+          <a:ln w="19050">
+            <a:solidFill>
+              <a:schemeClr val="accent3"/>
+            </a:solidFill>
+            <a:headEnd type="none" w="med" len="med"/>
+            <a:tailEnd type="arrow" w="med" len="med"/>
+          </a:ln>
+          <a:effectLst/>
+        </p:spPr>
+        <p:style>
+          <a:lnRef idx="1">
+            <a:schemeClr val="accent2"/>
+          </a:lnRef>
+          <a:fillRef idx="2">
+            <a:schemeClr val="accent2"/>
+          </a:fillRef>
+          <a:effectRef idx="1">
+            <a:schemeClr val="accent2"/>
+          </a:effectRef>
+          <a:fontRef idx="minor">
+            <a:schemeClr val="dk1"/>
+          </a:fontRef>
+        </p:style>
+      </p:cxnSp>
+      <p:cxnSp>
+        <p:nvCxnSpPr>
+          <p:cNvPr id="65" name="Elbow Connector 64"/>
+          <p:cNvCxnSpPr/>
+          <p:nvPr/>
+        </p:nvCxnSpPr>
+        <p:spPr>
+          <a:xfrm rot="16200000" flipH="1">
+            <a:off x="3356288" y="3698449"/>
+            <a:ext cx="152159" cy="559232"/>
+          </a:xfrm>
+          <a:prstGeom prst="bentConnector2">
+            <a:avLst/>
+          </a:prstGeom>
+          <a:ln w="19050">
+            <a:solidFill>
+              <a:schemeClr val="accent3"/>
+            </a:solidFill>
+            <a:headEnd type="none" w="med" len="med"/>
+            <a:tailEnd type="arrow" w="med" len="med"/>
+          </a:ln>
+          <a:effectLst/>
+        </p:spPr>
+        <p:style>
+          <a:lnRef idx="1">
+            <a:schemeClr val="accent2"/>
+          </a:lnRef>
+          <a:fillRef idx="2">
+            <a:schemeClr val="accent2"/>
+          </a:fillRef>
+          <a:effectRef idx="1">
+            <a:schemeClr val="accent2"/>
+          </a:effectRef>
+          <a:fontRef idx="minor">
+            <a:schemeClr val="dk1"/>
+          </a:fontRef>
+        </p:style>
+      </p:cxnSp>
+      <p:sp>
+        <p:nvSpPr>
+          <p:cNvPr id="66" name="Rectangle 11"/>
+          <p:cNvSpPr/>
+          <p:nvPr/>
+        </p:nvSpPr>
+        <p:spPr>
+          <a:xfrm>
+            <a:off x="3719524" y="3943644"/>
+            <a:ext cx="1040906" cy="236841"/>
+          </a:xfrm>
+          <a:prstGeom prst="rect">
+            <a:avLst/>
+          </a:prstGeom>
+          <a:ln w="19050">
+            <a:solidFill>
+              <a:schemeClr val="accent3"/>
+            </a:solidFill>
+          </a:ln>
+          <a:effectLst/>
+        </p:spPr>
+        <p:style>
+          <a:lnRef idx="1">
+            <a:schemeClr val="accent3"/>
+          </a:lnRef>
+          <a:fillRef idx="2">
+            <a:schemeClr val="accent3"/>
+          </a:fillRef>
+          <a:effectRef idx="1">
+            <a:schemeClr val="accent3"/>
+          </a:effectRef>
+          <a:fontRef idx="minor">
+            <a:schemeClr val="dk1"/>
+          </a:fontRef>
+        </p:style>
+        <p:txBody>
+          <a:bodyPr rtlCol="0" anchor="ctr"/>
+          <a:lstStyle/>
+          <a:p>
+            <a:pPr algn="ctr"/>
+            <a:r>
+              <a:rPr lang="en-SG" sz="1050" b="1" dirty="0" smtClean="0">
+                <a:solidFill>
+                  <a:schemeClr val="accent3">
+                    <a:lumMod val="75000"/>
+                  </a:schemeClr>
+                </a:solidFill>
+              </a:rPr>
+              <a:t>ChatBotCard</a:t>
+            </a:r>
+            <a:endParaRPr lang="en-SG" sz="1050" b="1" dirty="0">
+              <a:solidFill>
+                <a:schemeClr val="accent3">
+                  <a:lumMod val="75000"/>
+                </a:schemeClr>
+              </a:solidFill>
+            </a:endParaRPr>
+          </a:p>
+        </p:txBody>
+      </p:sp>
+      <p:cxnSp>
+        <p:nvCxnSpPr>
+          <p:cNvPr id="67" name="Elbow Connector 63"/>
+          <p:cNvCxnSpPr/>
+          <p:nvPr/>
+        </p:nvCxnSpPr>
+        <p:spPr>
+          <a:xfrm rot="10800000">
+            <a:off x="3897017" y="3790767"/>
+            <a:ext cx="1632953" cy="12966"/>
+          </a:xfrm>
+          <a:prstGeom prst="bentConnector3">
+            <a:avLst>
+              <a:gd name="adj1" fmla="val -150"/>
+            </a:avLst>
           </a:prstGeom>
           <a:ln w="6350">
             <a:solidFill>
@@ -5649,6 +5613,88 @@
           </a:fontRef>
         </p:style>
       </p:cxnSp>
+      <p:sp>
+        <p:nvSpPr>
+          <p:cNvPr id="70" name="Freeform 69"/>
+          <p:cNvSpPr/>
+          <p:nvPr/>
+        </p:nvSpPr>
+        <p:spPr>
+          <a:xfrm>
+            <a:off x="3786090" y="3202617"/>
+            <a:ext cx="2945222" cy="447222"/>
+          </a:xfrm>
+          <a:custGeom>
+            <a:avLst/>
+            <a:gdLst>
+              <a:gd name="connsiteX0" fmla="*/ 0 w 3048000"/>
+              <a:gd name="connsiteY0" fmla="*/ 203200 h 203200"/>
+              <a:gd name="connsiteX1" fmla="*/ 221673 w 3048000"/>
+              <a:gd name="connsiteY1" fmla="*/ 0 h 203200"/>
+              <a:gd name="connsiteX2" fmla="*/ 3048000 w 3048000"/>
+              <a:gd name="connsiteY2" fmla="*/ 0 h 203200"/>
+            </a:gdLst>
+            <a:ahLst/>
+            <a:cxnLst>
+              <a:cxn ang="0">
+                <a:pos x="connsiteX0" y="connsiteY0"/>
+              </a:cxn>
+              <a:cxn ang="0">
+                <a:pos x="connsiteX1" y="connsiteY1"/>
+              </a:cxn>
+              <a:cxn ang="0">
+                <a:pos x="connsiteX2" y="connsiteY2"/>
+              </a:cxn>
+            </a:cxnLst>
+            <a:rect l="l" t="t" r="r" b="b"/>
+            <a:pathLst>
+              <a:path w="3048000" h="203200">
+                <a:moveTo>
+                  <a:pt x="0" y="203200"/>
+                </a:moveTo>
+                <a:lnTo>
+                  <a:pt x="221673" y="0"/>
+                </a:lnTo>
+                <a:lnTo>
+                  <a:pt x="3048000" y="0"/>
+                </a:lnTo>
+              </a:path>
+            </a:pathLst>
+          </a:custGeom>
+          <a:noFill/>
+          <a:ln w="19050">
+            <a:solidFill>
+              <a:schemeClr val="accent3"/>
+            </a:solidFill>
+            <a:prstDash val="solid"/>
+            <a:headEnd type="none" w="med" len="med"/>
+            <a:tailEnd type="arrow" w="med" len="med"/>
+          </a:ln>
+          <a:effectLst/>
+        </p:spPr>
+        <p:style>
+          <a:lnRef idx="1">
+            <a:schemeClr val="accent2"/>
+          </a:lnRef>
+          <a:fillRef idx="2">
+            <a:schemeClr val="accent2"/>
+          </a:fillRef>
+          <a:effectRef idx="1">
+            <a:schemeClr val="accent2"/>
+          </a:effectRef>
+          <a:fontRef idx="minor">
+            <a:schemeClr val="dk1"/>
+          </a:fontRef>
+        </p:style>
+        <p:txBody>
+          <a:bodyPr rtlCol="0" anchor="ctr"/>
+          <a:lstStyle/>
+          <a:p>
+            <a:pPr algn="ctr"/>
+            <a:endParaRPr lang="en-SG"/>
+          </a:p>
+        </p:txBody>
+      </p:sp>
     </p:spTree>
     <p:extLst>
       <p:ext uri="{BB962C8B-B14F-4D97-AF65-F5344CB8AC3E}">
